--- a/ppt 16-9/0955.当我踏上这条路.pptx
+++ b/ppt 16-9/0955.当我踏上这条路.pptx
@@ -5,7 +5,7 @@
     <p:sldMasterId id="2147483648" r:id="rId1"/>
   </p:sldMasterIdLst>
   <p:sldIdLst>
-    <p:sldId id="341" r:id="rId2"/>
+    <p:sldId id="343" r:id="rId2"/>
   </p:sldIdLst>
   <p:sldSz cx="12192000" cy="6858000"/>
   <p:notesSz cx="6858000" cy="9144000"/>
@@ -129,7 +129,7 @@
           <p:cNvPr id="2" name="标题 1">
             <a:extLst>
               <a:ext uri="{FF2B5EF4-FFF2-40B4-BE49-F238E27FC236}">
-                <a16:creationId xmlns:a16="http://schemas.microsoft.com/office/drawing/2014/main" id="{FD979321-42F9-F8F6-68E2-2E4B70DA689C}"/>
+                <a16:creationId xmlns:a16="http://schemas.microsoft.com/office/drawing/2014/main" id="{586F6472-9B09-BD13-D7D8-181DBFB60A7F}"/>
               </a:ext>
             </a:extLst>
           </p:cNvPr>
@@ -166,7 +166,7 @@
           <p:cNvPr id="3" name="副标题 2">
             <a:extLst>
               <a:ext uri="{FF2B5EF4-FFF2-40B4-BE49-F238E27FC236}">
-                <a16:creationId xmlns:a16="http://schemas.microsoft.com/office/drawing/2014/main" id="{01FC24C9-AE91-B5BD-76CF-E142D77B8BCA}"/>
+                <a16:creationId xmlns:a16="http://schemas.microsoft.com/office/drawing/2014/main" id="{3CA0D470-4059-D4F4-47BA-34684E013CC7}"/>
               </a:ext>
             </a:extLst>
           </p:cNvPr>
@@ -236,7 +236,7 @@
           <p:cNvPr id="4" name="日期占位符 3">
             <a:extLst>
               <a:ext uri="{FF2B5EF4-FFF2-40B4-BE49-F238E27FC236}">
-                <a16:creationId xmlns:a16="http://schemas.microsoft.com/office/drawing/2014/main" id="{57B2B2FE-DBD2-777E-6860-FFC6B0755FA2}"/>
+                <a16:creationId xmlns:a16="http://schemas.microsoft.com/office/drawing/2014/main" id="{F1252149-1201-DA35-FCE2-B4A41B48110B}"/>
               </a:ext>
             </a:extLst>
           </p:cNvPr>
@@ -252,7 +252,7 @@
           <a:bodyPr/>
           <a:lstStyle/>
           <a:p>
-            <a:fld id="{E4CEFB58-427F-4F9D-BC1D-07725E6D2A02}" type="datetimeFigureOut">
+            <a:fld id="{8AB2DB2A-5583-4524-ACAA-78F7212F9415}" type="datetimeFigureOut">
               <a:rPr lang="zh-CN" altLang="en-US" smtClean="0"/>
               <a:t>2024/3/10</a:t>
             </a:fld>
@@ -265,7 +265,7 @@
           <p:cNvPr id="5" name="页脚占位符 4">
             <a:extLst>
               <a:ext uri="{FF2B5EF4-FFF2-40B4-BE49-F238E27FC236}">
-                <a16:creationId xmlns:a16="http://schemas.microsoft.com/office/drawing/2014/main" id="{7B76C360-A3DA-92EF-3205-A36B9255CF6E}"/>
+                <a16:creationId xmlns:a16="http://schemas.microsoft.com/office/drawing/2014/main" id="{F094B00B-B566-2F88-1380-651DC30D75D1}"/>
               </a:ext>
             </a:extLst>
           </p:cNvPr>
@@ -290,7 +290,7 @@
           <p:cNvPr id="6" name="灯片编号占位符 5">
             <a:extLst>
               <a:ext uri="{FF2B5EF4-FFF2-40B4-BE49-F238E27FC236}">
-                <a16:creationId xmlns:a16="http://schemas.microsoft.com/office/drawing/2014/main" id="{8D0C311E-5952-0C63-E911-ED789EE292E0}"/>
+                <a16:creationId xmlns:a16="http://schemas.microsoft.com/office/drawing/2014/main" id="{E3EA1661-6CEE-794A-B468-D1618470F08A}"/>
               </a:ext>
             </a:extLst>
           </p:cNvPr>
@@ -306,7 +306,7 @@
           <a:bodyPr/>
           <a:lstStyle/>
           <a:p>
-            <a:fld id="{573305D0-D626-472F-A218-A6158B742F2E}" type="slidenum">
+            <a:fld id="{E46C17A0-4C88-44E9-A84D-C924B523582F}" type="slidenum">
               <a:rPr lang="zh-CN" altLang="en-US" smtClean="0"/>
               <a:t>‹#›</a:t>
             </a:fld>
@@ -317,7 +317,7 @@
     </p:spTree>
     <p:extLst>
       <p:ext uri="{BB962C8B-B14F-4D97-AF65-F5344CB8AC3E}">
-        <p14:creationId xmlns:p14="http://schemas.microsoft.com/office/powerpoint/2010/main" val="3050025465"/>
+        <p14:creationId xmlns:p14="http://schemas.microsoft.com/office/powerpoint/2010/main" val="1209056717"/>
       </p:ext>
     </p:extLst>
   </p:cSld>
@@ -349,7 +349,7 @@
           <p:cNvPr id="2" name="标题 1">
             <a:extLst>
               <a:ext uri="{FF2B5EF4-FFF2-40B4-BE49-F238E27FC236}">
-                <a16:creationId xmlns:a16="http://schemas.microsoft.com/office/drawing/2014/main" id="{1FA7CE47-6522-E51E-D3A5-040587D9E42D}"/>
+                <a16:creationId xmlns:a16="http://schemas.microsoft.com/office/drawing/2014/main" id="{ABD2432C-A054-6F9A-5F0F-D080BCEA1867}"/>
               </a:ext>
             </a:extLst>
           </p:cNvPr>
@@ -377,7 +377,7 @@
           <p:cNvPr id="3" name="竖排文字占位符 2">
             <a:extLst>
               <a:ext uri="{FF2B5EF4-FFF2-40B4-BE49-F238E27FC236}">
-                <a16:creationId xmlns:a16="http://schemas.microsoft.com/office/drawing/2014/main" id="{B9C7CC74-BF3A-D85B-87CD-B33D7652B383}"/>
+                <a16:creationId xmlns:a16="http://schemas.microsoft.com/office/drawing/2014/main" id="{2C9D8A7A-1A57-7EAB-8189-9C486AD616E2}"/>
               </a:ext>
             </a:extLst>
           </p:cNvPr>
@@ -434,7 +434,7 @@
           <p:cNvPr id="4" name="日期占位符 3">
             <a:extLst>
               <a:ext uri="{FF2B5EF4-FFF2-40B4-BE49-F238E27FC236}">
-                <a16:creationId xmlns:a16="http://schemas.microsoft.com/office/drawing/2014/main" id="{95AB3155-B74F-E620-EE53-40179BA7A120}"/>
+                <a16:creationId xmlns:a16="http://schemas.microsoft.com/office/drawing/2014/main" id="{E98A0F74-6EDB-4411-D79C-858C9D566394}"/>
               </a:ext>
             </a:extLst>
           </p:cNvPr>
@@ -450,7 +450,7 @@
           <a:bodyPr/>
           <a:lstStyle/>
           <a:p>
-            <a:fld id="{E4CEFB58-427F-4F9D-BC1D-07725E6D2A02}" type="datetimeFigureOut">
+            <a:fld id="{8AB2DB2A-5583-4524-ACAA-78F7212F9415}" type="datetimeFigureOut">
               <a:rPr lang="zh-CN" altLang="en-US" smtClean="0"/>
               <a:t>2024/3/10</a:t>
             </a:fld>
@@ -463,7 +463,7 @@
           <p:cNvPr id="5" name="页脚占位符 4">
             <a:extLst>
               <a:ext uri="{FF2B5EF4-FFF2-40B4-BE49-F238E27FC236}">
-                <a16:creationId xmlns:a16="http://schemas.microsoft.com/office/drawing/2014/main" id="{F6763729-FCFA-A976-2A0A-65F2FA98E002}"/>
+                <a16:creationId xmlns:a16="http://schemas.microsoft.com/office/drawing/2014/main" id="{B70E6D0D-9089-2C78-CE6F-FAFE8D27D555}"/>
               </a:ext>
             </a:extLst>
           </p:cNvPr>
@@ -488,7 +488,7 @@
           <p:cNvPr id="6" name="灯片编号占位符 5">
             <a:extLst>
               <a:ext uri="{FF2B5EF4-FFF2-40B4-BE49-F238E27FC236}">
-                <a16:creationId xmlns:a16="http://schemas.microsoft.com/office/drawing/2014/main" id="{58B9560F-2689-5524-A448-0891295B9A49}"/>
+                <a16:creationId xmlns:a16="http://schemas.microsoft.com/office/drawing/2014/main" id="{E0E18FEF-384B-EA86-69D2-FEB6943CAE8D}"/>
               </a:ext>
             </a:extLst>
           </p:cNvPr>
@@ -504,7 +504,7 @@
           <a:bodyPr/>
           <a:lstStyle/>
           <a:p>
-            <a:fld id="{573305D0-D626-472F-A218-A6158B742F2E}" type="slidenum">
+            <a:fld id="{E46C17A0-4C88-44E9-A84D-C924B523582F}" type="slidenum">
               <a:rPr lang="zh-CN" altLang="en-US" smtClean="0"/>
               <a:t>‹#›</a:t>
             </a:fld>
@@ -515,7 +515,7 @@
     </p:spTree>
     <p:extLst>
       <p:ext uri="{BB962C8B-B14F-4D97-AF65-F5344CB8AC3E}">
-        <p14:creationId xmlns:p14="http://schemas.microsoft.com/office/powerpoint/2010/main" val="1663733229"/>
+        <p14:creationId xmlns:p14="http://schemas.microsoft.com/office/powerpoint/2010/main" val="2764477476"/>
       </p:ext>
     </p:extLst>
   </p:cSld>
@@ -547,7 +547,7 @@
           <p:cNvPr id="2" name="竖排标题 1">
             <a:extLst>
               <a:ext uri="{FF2B5EF4-FFF2-40B4-BE49-F238E27FC236}">
-                <a16:creationId xmlns:a16="http://schemas.microsoft.com/office/drawing/2014/main" id="{08CE055E-F072-87B7-51AF-5463D031F070}"/>
+                <a16:creationId xmlns:a16="http://schemas.microsoft.com/office/drawing/2014/main" id="{8C063AF8-60BE-07C8-091D-EE6B40EF50BD}"/>
               </a:ext>
             </a:extLst>
           </p:cNvPr>
@@ -580,7 +580,7 @@
           <p:cNvPr id="3" name="竖排文字占位符 2">
             <a:extLst>
               <a:ext uri="{FF2B5EF4-FFF2-40B4-BE49-F238E27FC236}">
-                <a16:creationId xmlns:a16="http://schemas.microsoft.com/office/drawing/2014/main" id="{2A1DE0A2-CFDD-F038-C0EC-7AEFFC750A0C}"/>
+                <a16:creationId xmlns:a16="http://schemas.microsoft.com/office/drawing/2014/main" id="{552F4FA7-5D76-D28D-5185-9CF09D88E8E8}"/>
               </a:ext>
             </a:extLst>
           </p:cNvPr>
@@ -642,7 +642,7 @@
           <p:cNvPr id="4" name="日期占位符 3">
             <a:extLst>
               <a:ext uri="{FF2B5EF4-FFF2-40B4-BE49-F238E27FC236}">
-                <a16:creationId xmlns:a16="http://schemas.microsoft.com/office/drawing/2014/main" id="{F73ACA10-F598-A744-674C-FE2A5470D290}"/>
+                <a16:creationId xmlns:a16="http://schemas.microsoft.com/office/drawing/2014/main" id="{BF353A38-B4F2-89B3-8F06-3439D8836F40}"/>
               </a:ext>
             </a:extLst>
           </p:cNvPr>
@@ -658,7 +658,7 @@
           <a:bodyPr/>
           <a:lstStyle/>
           <a:p>
-            <a:fld id="{E4CEFB58-427F-4F9D-BC1D-07725E6D2A02}" type="datetimeFigureOut">
+            <a:fld id="{8AB2DB2A-5583-4524-ACAA-78F7212F9415}" type="datetimeFigureOut">
               <a:rPr lang="zh-CN" altLang="en-US" smtClean="0"/>
               <a:t>2024/3/10</a:t>
             </a:fld>
@@ -671,7 +671,7 @@
           <p:cNvPr id="5" name="页脚占位符 4">
             <a:extLst>
               <a:ext uri="{FF2B5EF4-FFF2-40B4-BE49-F238E27FC236}">
-                <a16:creationId xmlns:a16="http://schemas.microsoft.com/office/drawing/2014/main" id="{E81BF057-BA52-DAFD-8A4D-DB125674FA03}"/>
+                <a16:creationId xmlns:a16="http://schemas.microsoft.com/office/drawing/2014/main" id="{76276DA3-4BF0-B601-A088-CE62B273AF20}"/>
               </a:ext>
             </a:extLst>
           </p:cNvPr>
@@ -696,7 +696,7 @@
           <p:cNvPr id="6" name="灯片编号占位符 5">
             <a:extLst>
               <a:ext uri="{FF2B5EF4-FFF2-40B4-BE49-F238E27FC236}">
-                <a16:creationId xmlns:a16="http://schemas.microsoft.com/office/drawing/2014/main" id="{26A23F16-B092-FD36-3898-C0E331AAC615}"/>
+                <a16:creationId xmlns:a16="http://schemas.microsoft.com/office/drawing/2014/main" id="{76E21B3C-0407-DFC9-3975-E3BC02B23BFB}"/>
               </a:ext>
             </a:extLst>
           </p:cNvPr>
@@ -712,7 +712,7 @@
           <a:bodyPr/>
           <a:lstStyle/>
           <a:p>
-            <a:fld id="{573305D0-D626-472F-A218-A6158B742F2E}" type="slidenum">
+            <a:fld id="{E46C17A0-4C88-44E9-A84D-C924B523582F}" type="slidenum">
               <a:rPr lang="zh-CN" altLang="en-US" smtClean="0"/>
               <a:t>‹#›</a:t>
             </a:fld>
@@ -723,7 +723,7 @@
     </p:spTree>
     <p:extLst>
       <p:ext uri="{BB962C8B-B14F-4D97-AF65-F5344CB8AC3E}">
-        <p14:creationId xmlns:p14="http://schemas.microsoft.com/office/powerpoint/2010/main" val="3611677461"/>
+        <p14:creationId xmlns:p14="http://schemas.microsoft.com/office/powerpoint/2010/main" val="414460744"/>
       </p:ext>
     </p:extLst>
   </p:cSld>
@@ -755,7 +755,7 @@
           <p:cNvPr id="2" name="标题 1">
             <a:extLst>
               <a:ext uri="{FF2B5EF4-FFF2-40B4-BE49-F238E27FC236}">
-                <a16:creationId xmlns:a16="http://schemas.microsoft.com/office/drawing/2014/main" id="{07ABFB4E-3E56-509E-8E70-0076B51AE07E}"/>
+                <a16:creationId xmlns:a16="http://schemas.microsoft.com/office/drawing/2014/main" id="{03958518-7162-D3C7-877D-5CFD7FDC37C1}"/>
               </a:ext>
             </a:extLst>
           </p:cNvPr>
@@ -783,7 +783,7 @@
           <p:cNvPr id="3" name="内容占位符 2">
             <a:extLst>
               <a:ext uri="{FF2B5EF4-FFF2-40B4-BE49-F238E27FC236}">
-                <a16:creationId xmlns:a16="http://schemas.microsoft.com/office/drawing/2014/main" id="{A3A4AD87-80C6-00BD-09A5-66E0BFB2E637}"/>
+                <a16:creationId xmlns:a16="http://schemas.microsoft.com/office/drawing/2014/main" id="{0A3B41B7-7903-E42E-19C4-B87FD7421B4D}"/>
               </a:ext>
             </a:extLst>
           </p:cNvPr>
@@ -840,7 +840,7 @@
           <p:cNvPr id="4" name="日期占位符 3">
             <a:extLst>
               <a:ext uri="{FF2B5EF4-FFF2-40B4-BE49-F238E27FC236}">
-                <a16:creationId xmlns:a16="http://schemas.microsoft.com/office/drawing/2014/main" id="{A7BB35D4-315D-4145-03FA-8F46D67CA884}"/>
+                <a16:creationId xmlns:a16="http://schemas.microsoft.com/office/drawing/2014/main" id="{1EA7BFFD-E887-FD06-68C5-9AC6BC1BA700}"/>
               </a:ext>
             </a:extLst>
           </p:cNvPr>
@@ -856,7 +856,7 @@
           <a:bodyPr/>
           <a:lstStyle/>
           <a:p>
-            <a:fld id="{E4CEFB58-427F-4F9D-BC1D-07725E6D2A02}" type="datetimeFigureOut">
+            <a:fld id="{8AB2DB2A-5583-4524-ACAA-78F7212F9415}" type="datetimeFigureOut">
               <a:rPr lang="zh-CN" altLang="en-US" smtClean="0"/>
               <a:t>2024/3/10</a:t>
             </a:fld>
@@ -869,7 +869,7 @@
           <p:cNvPr id="5" name="页脚占位符 4">
             <a:extLst>
               <a:ext uri="{FF2B5EF4-FFF2-40B4-BE49-F238E27FC236}">
-                <a16:creationId xmlns:a16="http://schemas.microsoft.com/office/drawing/2014/main" id="{82F242DC-BD8E-8B31-C519-5EDFA41BFF8C}"/>
+                <a16:creationId xmlns:a16="http://schemas.microsoft.com/office/drawing/2014/main" id="{38EF7C8A-C246-D927-56D3-6C4F114A1666}"/>
               </a:ext>
             </a:extLst>
           </p:cNvPr>
@@ -894,7 +894,7 @@
           <p:cNvPr id="6" name="灯片编号占位符 5">
             <a:extLst>
               <a:ext uri="{FF2B5EF4-FFF2-40B4-BE49-F238E27FC236}">
-                <a16:creationId xmlns:a16="http://schemas.microsoft.com/office/drawing/2014/main" id="{583B1688-6BC2-062B-9B68-BA9E051CF4A9}"/>
+                <a16:creationId xmlns:a16="http://schemas.microsoft.com/office/drawing/2014/main" id="{E1C93CD9-C7AE-1854-A0E9-41612DCDAB52}"/>
               </a:ext>
             </a:extLst>
           </p:cNvPr>
@@ -910,7 +910,7 @@
           <a:bodyPr/>
           <a:lstStyle/>
           <a:p>
-            <a:fld id="{573305D0-D626-472F-A218-A6158B742F2E}" type="slidenum">
+            <a:fld id="{E46C17A0-4C88-44E9-A84D-C924B523582F}" type="slidenum">
               <a:rPr lang="zh-CN" altLang="en-US" smtClean="0"/>
               <a:t>‹#›</a:t>
             </a:fld>
@@ -921,7 +921,7 @@
     </p:spTree>
     <p:extLst>
       <p:ext uri="{BB962C8B-B14F-4D97-AF65-F5344CB8AC3E}">
-        <p14:creationId xmlns:p14="http://schemas.microsoft.com/office/powerpoint/2010/main" val="452206070"/>
+        <p14:creationId xmlns:p14="http://schemas.microsoft.com/office/powerpoint/2010/main" val="3510715398"/>
       </p:ext>
     </p:extLst>
   </p:cSld>
@@ -953,7 +953,7 @@
           <p:cNvPr id="2" name="标题 1">
             <a:extLst>
               <a:ext uri="{FF2B5EF4-FFF2-40B4-BE49-F238E27FC236}">
-                <a16:creationId xmlns:a16="http://schemas.microsoft.com/office/drawing/2014/main" id="{3630198A-5B96-E28B-0FC3-657022ABED37}"/>
+                <a16:creationId xmlns:a16="http://schemas.microsoft.com/office/drawing/2014/main" id="{FBF791BD-E6B8-ECE8-DA21-9765CFE4D7FC}"/>
               </a:ext>
             </a:extLst>
           </p:cNvPr>
@@ -990,7 +990,7 @@
           <p:cNvPr id="3" name="文本占位符 2">
             <a:extLst>
               <a:ext uri="{FF2B5EF4-FFF2-40B4-BE49-F238E27FC236}">
-                <a16:creationId xmlns:a16="http://schemas.microsoft.com/office/drawing/2014/main" id="{C73B2653-BC19-272E-D1C7-B94797112C4C}"/>
+                <a16:creationId xmlns:a16="http://schemas.microsoft.com/office/drawing/2014/main" id="{9BAA185C-EE76-CB6D-E810-CCF6CD60BFFD}"/>
               </a:ext>
             </a:extLst>
           </p:cNvPr>
@@ -1115,7 +1115,7 @@
           <p:cNvPr id="4" name="日期占位符 3">
             <a:extLst>
               <a:ext uri="{FF2B5EF4-FFF2-40B4-BE49-F238E27FC236}">
-                <a16:creationId xmlns:a16="http://schemas.microsoft.com/office/drawing/2014/main" id="{AA7207C5-3337-2150-F7FB-F945769F2880}"/>
+                <a16:creationId xmlns:a16="http://schemas.microsoft.com/office/drawing/2014/main" id="{A26E4F59-5277-B35E-A392-1595E8C851F3}"/>
               </a:ext>
             </a:extLst>
           </p:cNvPr>
@@ -1131,7 +1131,7 @@
           <a:bodyPr/>
           <a:lstStyle/>
           <a:p>
-            <a:fld id="{E4CEFB58-427F-4F9D-BC1D-07725E6D2A02}" type="datetimeFigureOut">
+            <a:fld id="{8AB2DB2A-5583-4524-ACAA-78F7212F9415}" type="datetimeFigureOut">
               <a:rPr lang="zh-CN" altLang="en-US" smtClean="0"/>
               <a:t>2024/3/10</a:t>
             </a:fld>
@@ -1144,7 +1144,7 @@
           <p:cNvPr id="5" name="页脚占位符 4">
             <a:extLst>
               <a:ext uri="{FF2B5EF4-FFF2-40B4-BE49-F238E27FC236}">
-                <a16:creationId xmlns:a16="http://schemas.microsoft.com/office/drawing/2014/main" id="{A5453CF1-1B24-744D-1217-0C08F2F19FAE}"/>
+                <a16:creationId xmlns:a16="http://schemas.microsoft.com/office/drawing/2014/main" id="{D1E35F79-CBDC-413D-91B6-2FB00357261C}"/>
               </a:ext>
             </a:extLst>
           </p:cNvPr>
@@ -1169,7 +1169,7 @@
           <p:cNvPr id="6" name="灯片编号占位符 5">
             <a:extLst>
               <a:ext uri="{FF2B5EF4-FFF2-40B4-BE49-F238E27FC236}">
-                <a16:creationId xmlns:a16="http://schemas.microsoft.com/office/drawing/2014/main" id="{22BA16E0-9401-27EF-37D5-CD97461D29FE}"/>
+                <a16:creationId xmlns:a16="http://schemas.microsoft.com/office/drawing/2014/main" id="{C2F5553E-490A-FE22-9541-965D9D030393}"/>
               </a:ext>
             </a:extLst>
           </p:cNvPr>
@@ -1185,7 +1185,7 @@
           <a:bodyPr/>
           <a:lstStyle/>
           <a:p>
-            <a:fld id="{573305D0-D626-472F-A218-A6158B742F2E}" type="slidenum">
+            <a:fld id="{E46C17A0-4C88-44E9-A84D-C924B523582F}" type="slidenum">
               <a:rPr lang="zh-CN" altLang="en-US" smtClean="0"/>
               <a:t>‹#›</a:t>
             </a:fld>
@@ -1196,7 +1196,7 @@
     </p:spTree>
     <p:extLst>
       <p:ext uri="{BB962C8B-B14F-4D97-AF65-F5344CB8AC3E}">
-        <p14:creationId xmlns:p14="http://schemas.microsoft.com/office/powerpoint/2010/main" val="4250543050"/>
+        <p14:creationId xmlns:p14="http://schemas.microsoft.com/office/powerpoint/2010/main" val="737012907"/>
       </p:ext>
     </p:extLst>
   </p:cSld>
@@ -1228,7 +1228,7 @@
           <p:cNvPr id="2" name="标题 1">
             <a:extLst>
               <a:ext uri="{FF2B5EF4-FFF2-40B4-BE49-F238E27FC236}">
-                <a16:creationId xmlns:a16="http://schemas.microsoft.com/office/drawing/2014/main" id="{3F835E63-C7CA-AA94-C4AC-4DE3E968FCFC}"/>
+                <a16:creationId xmlns:a16="http://schemas.microsoft.com/office/drawing/2014/main" id="{B6D1D480-01A6-9210-2BC3-B2E019AC634D}"/>
               </a:ext>
             </a:extLst>
           </p:cNvPr>
@@ -1256,7 +1256,7 @@
           <p:cNvPr id="3" name="内容占位符 2">
             <a:extLst>
               <a:ext uri="{FF2B5EF4-FFF2-40B4-BE49-F238E27FC236}">
-                <a16:creationId xmlns:a16="http://schemas.microsoft.com/office/drawing/2014/main" id="{17597D3B-C64F-F62D-45B0-5126106E038A}"/>
+                <a16:creationId xmlns:a16="http://schemas.microsoft.com/office/drawing/2014/main" id="{1943A311-66FC-D200-72D8-DFED77914B15}"/>
               </a:ext>
             </a:extLst>
           </p:cNvPr>
@@ -1318,7 +1318,7 @@
           <p:cNvPr id="4" name="内容占位符 3">
             <a:extLst>
               <a:ext uri="{FF2B5EF4-FFF2-40B4-BE49-F238E27FC236}">
-                <a16:creationId xmlns:a16="http://schemas.microsoft.com/office/drawing/2014/main" id="{1A40DFC7-0D03-FBDB-B873-A92EA530CC6B}"/>
+                <a16:creationId xmlns:a16="http://schemas.microsoft.com/office/drawing/2014/main" id="{FF0AB05F-65E7-AA26-7B49-F840A262E01A}"/>
               </a:ext>
             </a:extLst>
           </p:cNvPr>
@@ -1380,7 +1380,7 @@
           <p:cNvPr id="5" name="日期占位符 4">
             <a:extLst>
               <a:ext uri="{FF2B5EF4-FFF2-40B4-BE49-F238E27FC236}">
-                <a16:creationId xmlns:a16="http://schemas.microsoft.com/office/drawing/2014/main" id="{A7157C36-192A-78D0-157D-1DE31719317E}"/>
+                <a16:creationId xmlns:a16="http://schemas.microsoft.com/office/drawing/2014/main" id="{D93513AF-BBA6-94E6-4C26-8C89614F8DF6}"/>
               </a:ext>
             </a:extLst>
           </p:cNvPr>
@@ -1396,7 +1396,7 @@
           <a:bodyPr/>
           <a:lstStyle/>
           <a:p>
-            <a:fld id="{E4CEFB58-427F-4F9D-BC1D-07725E6D2A02}" type="datetimeFigureOut">
+            <a:fld id="{8AB2DB2A-5583-4524-ACAA-78F7212F9415}" type="datetimeFigureOut">
               <a:rPr lang="zh-CN" altLang="en-US" smtClean="0"/>
               <a:t>2024/3/10</a:t>
             </a:fld>
@@ -1409,7 +1409,7 @@
           <p:cNvPr id="6" name="页脚占位符 5">
             <a:extLst>
               <a:ext uri="{FF2B5EF4-FFF2-40B4-BE49-F238E27FC236}">
-                <a16:creationId xmlns:a16="http://schemas.microsoft.com/office/drawing/2014/main" id="{65081E2A-6DC5-D9CF-600B-1ECA24D224D5}"/>
+                <a16:creationId xmlns:a16="http://schemas.microsoft.com/office/drawing/2014/main" id="{F8AA3047-8A87-994A-C5A6-98BC775EF6F1}"/>
               </a:ext>
             </a:extLst>
           </p:cNvPr>
@@ -1434,7 +1434,7 @@
           <p:cNvPr id="7" name="灯片编号占位符 6">
             <a:extLst>
               <a:ext uri="{FF2B5EF4-FFF2-40B4-BE49-F238E27FC236}">
-                <a16:creationId xmlns:a16="http://schemas.microsoft.com/office/drawing/2014/main" id="{20BCDE95-0194-EECF-8C0C-4101EFC54E50}"/>
+                <a16:creationId xmlns:a16="http://schemas.microsoft.com/office/drawing/2014/main" id="{AC6AC4B4-58FA-E4E2-3A22-A47CF6136ED7}"/>
               </a:ext>
             </a:extLst>
           </p:cNvPr>
@@ -1450,7 +1450,7 @@
           <a:bodyPr/>
           <a:lstStyle/>
           <a:p>
-            <a:fld id="{573305D0-D626-472F-A218-A6158B742F2E}" type="slidenum">
+            <a:fld id="{E46C17A0-4C88-44E9-A84D-C924B523582F}" type="slidenum">
               <a:rPr lang="zh-CN" altLang="en-US" smtClean="0"/>
               <a:t>‹#›</a:t>
             </a:fld>
@@ -1461,7 +1461,7 @@
     </p:spTree>
     <p:extLst>
       <p:ext uri="{BB962C8B-B14F-4D97-AF65-F5344CB8AC3E}">
-        <p14:creationId xmlns:p14="http://schemas.microsoft.com/office/powerpoint/2010/main" val="274104013"/>
+        <p14:creationId xmlns:p14="http://schemas.microsoft.com/office/powerpoint/2010/main" val="2548642774"/>
       </p:ext>
     </p:extLst>
   </p:cSld>
@@ -1493,7 +1493,7 @@
           <p:cNvPr id="2" name="标题 1">
             <a:extLst>
               <a:ext uri="{FF2B5EF4-FFF2-40B4-BE49-F238E27FC236}">
-                <a16:creationId xmlns:a16="http://schemas.microsoft.com/office/drawing/2014/main" id="{F0FC2BBC-69FB-5E6A-49B6-92524B97C7C6}"/>
+                <a16:creationId xmlns:a16="http://schemas.microsoft.com/office/drawing/2014/main" id="{048AF1D8-DD28-2E9C-2E21-EA321F78AD7A}"/>
               </a:ext>
             </a:extLst>
           </p:cNvPr>
@@ -1526,7 +1526,7 @@
           <p:cNvPr id="3" name="文本占位符 2">
             <a:extLst>
               <a:ext uri="{FF2B5EF4-FFF2-40B4-BE49-F238E27FC236}">
-                <a16:creationId xmlns:a16="http://schemas.microsoft.com/office/drawing/2014/main" id="{85959798-41D0-2FFC-97D9-E4F730D5017B}"/>
+                <a16:creationId xmlns:a16="http://schemas.microsoft.com/office/drawing/2014/main" id="{37C6B0E2-F90D-37E7-C34D-1D3940A28533}"/>
               </a:ext>
             </a:extLst>
           </p:cNvPr>
@@ -1597,7 +1597,7 @@
           <p:cNvPr id="4" name="内容占位符 3">
             <a:extLst>
               <a:ext uri="{FF2B5EF4-FFF2-40B4-BE49-F238E27FC236}">
-                <a16:creationId xmlns:a16="http://schemas.microsoft.com/office/drawing/2014/main" id="{0F0EF5AD-A4F2-3088-3B0A-B60C4CC269DE}"/>
+                <a16:creationId xmlns:a16="http://schemas.microsoft.com/office/drawing/2014/main" id="{B5BD29DE-E046-4A2A-4C6C-4F837674CF45}"/>
               </a:ext>
             </a:extLst>
           </p:cNvPr>
@@ -1659,7 +1659,7 @@
           <p:cNvPr id="5" name="文本占位符 4">
             <a:extLst>
               <a:ext uri="{FF2B5EF4-FFF2-40B4-BE49-F238E27FC236}">
-                <a16:creationId xmlns:a16="http://schemas.microsoft.com/office/drawing/2014/main" id="{BC5FB176-B681-15D4-4CE0-082BD7F47970}"/>
+                <a16:creationId xmlns:a16="http://schemas.microsoft.com/office/drawing/2014/main" id="{BEBCAF75-7506-2FB1-51DC-859AE3F1F3A6}"/>
               </a:ext>
             </a:extLst>
           </p:cNvPr>
@@ -1730,7 +1730,7 @@
           <p:cNvPr id="6" name="内容占位符 5">
             <a:extLst>
               <a:ext uri="{FF2B5EF4-FFF2-40B4-BE49-F238E27FC236}">
-                <a16:creationId xmlns:a16="http://schemas.microsoft.com/office/drawing/2014/main" id="{B4A6B672-6F05-A469-2536-0B86ABDE3C07}"/>
+                <a16:creationId xmlns:a16="http://schemas.microsoft.com/office/drawing/2014/main" id="{E1CB8ECA-ADEB-171B-55CE-49A19056B918}"/>
               </a:ext>
             </a:extLst>
           </p:cNvPr>
@@ -1792,7 +1792,7 @@
           <p:cNvPr id="7" name="日期占位符 6">
             <a:extLst>
               <a:ext uri="{FF2B5EF4-FFF2-40B4-BE49-F238E27FC236}">
-                <a16:creationId xmlns:a16="http://schemas.microsoft.com/office/drawing/2014/main" id="{B580D60F-90A6-3744-9746-312C428C2B93}"/>
+                <a16:creationId xmlns:a16="http://schemas.microsoft.com/office/drawing/2014/main" id="{3CD08A7D-0438-5192-472E-E8FE89E2F9C8}"/>
               </a:ext>
             </a:extLst>
           </p:cNvPr>
@@ -1808,7 +1808,7 @@
           <a:bodyPr/>
           <a:lstStyle/>
           <a:p>
-            <a:fld id="{E4CEFB58-427F-4F9D-BC1D-07725E6D2A02}" type="datetimeFigureOut">
+            <a:fld id="{8AB2DB2A-5583-4524-ACAA-78F7212F9415}" type="datetimeFigureOut">
               <a:rPr lang="zh-CN" altLang="en-US" smtClean="0"/>
               <a:t>2024/3/10</a:t>
             </a:fld>
@@ -1821,7 +1821,7 @@
           <p:cNvPr id="8" name="页脚占位符 7">
             <a:extLst>
               <a:ext uri="{FF2B5EF4-FFF2-40B4-BE49-F238E27FC236}">
-                <a16:creationId xmlns:a16="http://schemas.microsoft.com/office/drawing/2014/main" id="{70BDD879-7DB9-7F5D-BD2D-B8813F56B9C4}"/>
+                <a16:creationId xmlns:a16="http://schemas.microsoft.com/office/drawing/2014/main" id="{1AFDC770-BDE9-2AC9-5339-C53707D045AA}"/>
               </a:ext>
             </a:extLst>
           </p:cNvPr>
@@ -1846,7 +1846,7 @@
           <p:cNvPr id="9" name="灯片编号占位符 8">
             <a:extLst>
               <a:ext uri="{FF2B5EF4-FFF2-40B4-BE49-F238E27FC236}">
-                <a16:creationId xmlns:a16="http://schemas.microsoft.com/office/drawing/2014/main" id="{5A0FCA79-A841-3C4A-0046-4F88E0595BFC}"/>
+                <a16:creationId xmlns:a16="http://schemas.microsoft.com/office/drawing/2014/main" id="{300F0662-B56C-F4D9-1FA7-DEC2376478B0}"/>
               </a:ext>
             </a:extLst>
           </p:cNvPr>
@@ -1862,7 +1862,7 @@
           <a:bodyPr/>
           <a:lstStyle/>
           <a:p>
-            <a:fld id="{573305D0-D626-472F-A218-A6158B742F2E}" type="slidenum">
+            <a:fld id="{E46C17A0-4C88-44E9-A84D-C924B523582F}" type="slidenum">
               <a:rPr lang="zh-CN" altLang="en-US" smtClean="0"/>
               <a:t>‹#›</a:t>
             </a:fld>
@@ -1873,7 +1873,7 @@
     </p:spTree>
     <p:extLst>
       <p:ext uri="{BB962C8B-B14F-4D97-AF65-F5344CB8AC3E}">
-        <p14:creationId xmlns:p14="http://schemas.microsoft.com/office/powerpoint/2010/main" val="324144010"/>
+        <p14:creationId xmlns:p14="http://schemas.microsoft.com/office/powerpoint/2010/main" val="854819770"/>
       </p:ext>
     </p:extLst>
   </p:cSld>
@@ -1905,7 +1905,7 @@
           <p:cNvPr id="2" name="标题 1">
             <a:extLst>
               <a:ext uri="{FF2B5EF4-FFF2-40B4-BE49-F238E27FC236}">
-                <a16:creationId xmlns:a16="http://schemas.microsoft.com/office/drawing/2014/main" id="{97FB7F58-FF25-146F-7E74-5D57952ECF02}"/>
+                <a16:creationId xmlns:a16="http://schemas.microsoft.com/office/drawing/2014/main" id="{723FD013-B999-DA11-58C9-26A14CA6569A}"/>
               </a:ext>
             </a:extLst>
           </p:cNvPr>
@@ -1933,7 +1933,7 @@
           <p:cNvPr id="3" name="日期占位符 2">
             <a:extLst>
               <a:ext uri="{FF2B5EF4-FFF2-40B4-BE49-F238E27FC236}">
-                <a16:creationId xmlns:a16="http://schemas.microsoft.com/office/drawing/2014/main" id="{BDCAE8E2-3076-D402-78BC-42EDFCA12494}"/>
+                <a16:creationId xmlns:a16="http://schemas.microsoft.com/office/drawing/2014/main" id="{90FFB638-D5F6-77E5-43E7-89D0C29E73DC}"/>
               </a:ext>
             </a:extLst>
           </p:cNvPr>
@@ -1949,7 +1949,7 @@
           <a:bodyPr/>
           <a:lstStyle/>
           <a:p>
-            <a:fld id="{E4CEFB58-427F-4F9D-BC1D-07725E6D2A02}" type="datetimeFigureOut">
+            <a:fld id="{8AB2DB2A-5583-4524-ACAA-78F7212F9415}" type="datetimeFigureOut">
               <a:rPr lang="zh-CN" altLang="en-US" smtClean="0"/>
               <a:t>2024/3/10</a:t>
             </a:fld>
@@ -1962,7 +1962,7 @@
           <p:cNvPr id="4" name="页脚占位符 3">
             <a:extLst>
               <a:ext uri="{FF2B5EF4-FFF2-40B4-BE49-F238E27FC236}">
-                <a16:creationId xmlns:a16="http://schemas.microsoft.com/office/drawing/2014/main" id="{BDCA7C6B-C7E4-8FB9-63B5-3B4AC59F9DFF}"/>
+                <a16:creationId xmlns:a16="http://schemas.microsoft.com/office/drawing/2014/main" id="{B9B1078F-3B97-E500-A78F-A044929CCCB3}"/>
               </a:ext>
             </a:extLst>
           </p:cNvPr>
@@ -1987,7 +1987,7 @@
           <p:cNvPr id="5" name="灯片编号占位符 4">
             <a:extLst>
               <a:ext uri="{FF2B5EF4-FFF2-40B4-BE49-F238E27FC236}">
-                <a16:creationId xmlns:a16="http://schemas.microsoft.com/office/drawing/2014/main" id="{2E983E29-3FBF-5BD5-A4B1-3BAD2D70401D}"/>
+                <a16:creationId xmlns:a16="http://schemas.microsoft.com/office/drawing/2014/main" id="{131C5284-B374-AD60-B9C4-15B621BF96C2}"/>
               </a:ext>
             </a:extLst>
           </p:cNvPr>
@@ -2003,7 +2003,7 @@
           <a:bodyPr/>
           <a:lstStyle/>
           <a:p>
-            <a:fld id="{573305D0-D626-472F-A218-A6158B742F2E}" type="slidenum">
+            <a:fld id="{E46C17A0-4C88-44E9-A84D-C924B523582F}" type="slidenum">
               <a:rPr lang="zh-CN" altLang="en-US" smtClean="0"/>
               <a:t>‹#›</a:t>
             </a:fld>
@@ -2014,7 +2014,7 @@
     </p:spTree>
     <p:extLst>
       <p:ext uri="{BB962C8B-B14F-4D97-AF65-F5344CB8AC3E}">
-        <p14:creationId xmlns:p14="http://schemas.microsoft.com/office/powerpoint/2010/main" val="1970307140"/>
+        <p14:creationId xmlns:p14="http://schemas.microsoft.com/office/powerpoint/2010/main" val="3818646497"/>
       </p:ext>
     </p:extLst>
   </p:cSld>
@@ -2046,7 +2046,7 @@
           <p:cNvPr id="2" name="日期占位符 1">
             <a:extLst>
               <a:ext uri="{FF2B5EF4-FFF2-40B4-BE49-F238E27FC236}">
-                <a16:creationId xmlns:a16="http://schemas.microsoft.com/office/drawing/2014/main" id="{3800C8D1-1250-7767-79A6-332DD837E8A4}"/>
+                <a16:creationId xmlns:a16="http://schemas.microsoft.com/office/drawing/2014/main" id="{03BDA2BE-163F-7EE9-6F35-D79572D77C5B}"/>
               </a:ext>
             </a:extLst>
           </p:cNvPr>
@@ -2062,7 +2062,7 @@
           <a:bodyPr/>
           <a:lstStyle/>
           <a:p>
-            <a:fld id="{E4CEFB58-427F-4F9D-BC1D-07725E6D2A02}" type="datetimeFigureOut">
+            <a:fld id="{8AB2DB2A-5583-4524-ACAA-78F7212F9415}" type="datetimeFigureOut">
               <a:rPr lang="zh-CN" altLang="en-US" smtClean="0"/>
               <a:t>2024/3/10</a:t>
             </a:fld>
@@ -2075,7 +2075,7 @@
           <p:cNvPr id="3" name="页脚占位符 2">
             <a:extLst>
               <a:ext uri="{FF2B5EF4-FFF2-40B4-BE49-F238E27FC236}">
-                <a16:creationId xmlns:a16="http://schemas.microsoft.com/office/drawing/2014/main" id="{1B92060C-5D89-DE40-1E3A-45F70DCE56A7}"/>
+                <a16:creationId xmlns:a16="http://schemas.microsoft.com/office/drawing/2014/main" id="{42184A10-CD05-7222-0171-1C3A5A19A649}"/>
               </a:ext>
             </a:extLst>
           </p:cNvPr>
@@ -2100,7 +2100,7 @@
           <p:cNvPr id="4" name="灯片编号占位符 3">
             <a:extLst>
               <a:ext uri="{FF2B5EF4-FFF2-40B4-BE49-F238E27FC236}">
-                <a16:creationId xmlns:a16="http://schemas.microsoft.com/office/drawing/2014/main" id="{02C02B61-E967-BCE8-F8C6-3681A0561E1B}"/>
+                <a16:creationId xmlns:a16="http://schemas.microsoft.com/office/drawing/2014/main" id="{DF0B2711-B6C2-6375-2FE0-ED8DC614DFF9}"/>
               </a:ext>
             </a:extLst>
           </p:cNvPr>
@@ -2116,7 +2116,7 @@
           <a:bodyPr/>
           <a:lstStyle/>
           <a:p>
-            <a:fld id="{573305D0-D626-472F-A218-A6158B742F2E}" type="slidenum">
+            <a:fld id="{E46C17A0-4C88-44E9-A84D-C924B523582F}" type="slidenum">
               <a:rPr lang="zh-CN" altLang="en-US" smtClean="0"/>
               <a:t>‹#›</a:t>
             </a:fld>
@@ -2127,7 +2127,7 @@
     </p:spTree>
     <p:extLst>
       <p:ext uri="{BB962C8B-B14F-4D97-AF65-F5344CB8AC3E}">
-        <p14:creationId xmlns:p14="http://schemas.microsoft.com/office/powerpoint/2010/main" val="4206899248"/>
+        <p14:creationId xmlns:p14="http://schemas.microsoft.com/office/powerpoint/2010/main" val="3231248010"/>
       </p:ext>
     </p:extLst>
   </p:cSld>
@@ -2159,7 +2159,7 @@
           <p:cNvPr id="2" name="标题 1">
             <a:extLst>
               <a:ext uri="{FF2B5EF4-FFF2-40B4-BE49-F238E27FC236}">
-                <a16:creationId xmlns:a16="http://schemas.microsoft.com/office/drawing/2014/main" id="{C19ECF81-C970-3449-0A5F-C8CC45DEC67D}"/>
+                <a16:creationId xmlns:a16="http://schemas.microsoft.com/office/drawing/2014/main" id="{5E199074-FB66-25BC-70E1-EBECA2448FB5}"/>
               </a:ext>
             </a:extLst>
           </p:cNvPr>
@@ -2196,7 +2196,7 @@
           <p:cNvPr id="3" name="内容占位符 2">
             <a:extLst>
               <a:ext uri="{FF2B5EF4-FFF2-40B4-BE49-F238E27FC236}">
-                <a16:creationId xmlns:a16="http://schemas.microsoft.com/office/drawing/2014/main" id="{C3447FC5-084B-CA94-E3BE-028C6A723B14}"/>
+                <a16:creationId xmlns:a16="http://schemas.microsoft.com/office/drawing/2014/main" id="{711BA27D-177F-BC6C-F9DC-25A08420ED1D}"/>
               </a:ext>
             </a:extLst>
           </p:cNvPr>
@@ -2286,7 +2286,7 @@
           <p:cNvPr id="4" name="文本占位符 3">
             <a:extLst>
               <a:ext uri="{FF2B5EF4-FFF2-40B4-BE49-F238E27FC236}">
-                <a16:creationId xmlns:a16="http://schemas.microsoft.com/office/drawing/2014/main" id="{674650FE-2F1E-93A8-66DE-387A8F092849}"/>
+                <a16:creationId xmlns:a16="http://schemas.microsoft.com/office/drawing/2014/main" id="{F653180E-2014-7BAB-E06F-A29361398660}"/>
               </a:ext>
             </a:extLst>
           </p:cNvPr>
@@ -2357,7 +2357,7 @@
           <p:cNvPr id="5" name="日期占位符 4">
             <a:extLst>
               <a:ext uri="{FF2B5EF4-FFF2-40B4-BE49-F238E27FC236}">
-                <a16:creationId xmlns:a16="http://schemas.microsoft.com/office/drawing/2014/main" id="{FC0D4288-7846-EC81-5E6D-944E21E6298D}"/>
+                <a16:creationId xmlns:a16="http://schemas.microsoft.com/office/drawing/2014/main" id="{A502D8EE-EC5F-F5D0-A086-096CBA25EEC6}"/>
               </a:ext>
             </a:extLst>
           </p:cNvPr>
@@ -2373,7 +2373,7 @@
           <a:bodyPr/>
           <a:lstStyle/>
           <a:p>
-            <a:fld id="{E4CEFB58-427F-4F9D-BC1D-07725E6D2A02}" type="datetimeFigureOut">
+            <a:fld id="{8AB2DB2A-5583-4524-ACAA-78F7212F9415}" type="datetimeFigureOut">
               <a:rPr lang="zh-CN" altLang="en-US" smtClean="0"/>
               <a:t>2024/3/10</a:t>
             </a:fld>
@@ -2386,7 +2386,7 @@
           <p:cNvPr id="6" name="页脚占位符 5">
             <a:extLst>
               <a:ext uri="{FF2B5EF4-FFF2-40B4-BE49-F238E27FC236}">
-                <a16:creationId xmlns:a16="http://schemas.microsoft.com/office/drawing/2014/main" id="{941A4870-013E-BBED-7101-F83DEF74A44D}"/>
+                <a16:creationId xmlns:a16="http://schemas.microsoft.com/office/drawing/2014/main" id="{6B563F68-A623-571F-8440-D60D53F1A591}"/>
               </a:ext>
             </a:extLst>
           </p:cNvPr>
@@ -2411,7 +2411,7 @@
           <p:cNvPr id="7" name="灯片编号占位符 6">
             <a:extLst>
               <a:ext uri="{FF2B5EF4-FFF2-40B4-BE49-F238E27FC236}">
-                <a16:creationId xmlns:a16="http://schemas.microsoft.com/office/drawing/2014/main" id="{B4447F18-CDC1-536A-9FFD-016E4AD7B50F}"/>
+                <a16:creationId xmlns:a16="http://schemas.microsoft.com/office/drawing/2014/main" id="{A5526469-B681-FE32-FDAE-4DBBDB39ADB4}"/>
               </a:ext>
             </a:extLst>
           </p:cNvPr>
@@ -2427,7 +2427,7 @@
           <a:bodyPr/>
           <a:lstStyle/>
           <a:p>
-            <a:fld id="{573305D0-D626-472F-A218-A6158B742F2E}" type="slidenum">
+            <a:fld id="{E46C17A0-4C88-44E9-A84D-C924B523582F}" type="slidenum">
               <a:rPr lang="zh-CN" altLang="en-US" smtClean="0"/>
               <a:t>‹#›</a:t>
             </a:fld>
@@ -2438,7 +2438,7 @@
     </p:spTree>
     <p:extLst>
       <p:ext uri="{BB962C8B-B14F-4D97-AF65-F5344CB8AC3E}">
-        <p14:creationId xmlns:p14="http://schemas.microsoft.com/office/powerpoint/2010/main" val="2022592609"/>
+        <p14:creationId xmlns:p14="http://schemas.microsoft.com/office/powerpoint/2010/main" val="3532103331"/>
       </p:ext>
     </p:extLst>
   </p:cSld>
@@ -2470,7 +2470,7 @@
           <p:cNvPr id="2" name="标题 1">
             <a:extLst>
               <a:ext uri="{FF2B5EF4-FFF2-40B4-BE49-F238E27FC236}">
-                <a16:creationId xmlns:a16="http://schemas.microsoft.com/office/drawing/2014/main" id="{A20A495C-30E4-17D7-2193-3A92EA9ECF59}"/>
+                <a16:creationId xmlns:a16="http://schemas.microsoft.com/office/drawing/2014/main" id="{8CB5DA00-2800-36B0-9A00-25C171396FB9}"/>
               </a:ext>
             </a:extLst>
           </p:cNvPr>
@@ -2507,7 +2507,7 @@
           <p:cNvPr id="3" name="图片占位符 2">
             <a:extLst>
               <a:ext uri="{FF2B5EF4-FFF2-40B4-BE49-F238E27FC236}">
-                <a16:creationId xmlns:a16="http://schemas.microsoft.com/office/drawing/2014/main" id="{368FA240-CF6E-B9EF-EDCB-138660933DB5}"/>
+                <a16:creationId xmlns:a16="http://schemas.microsoft.com/office/drawing/2014/main" id="{8AD1C092-C953-9C54-D65F-5971C4314460}"/>
               </a:ext>
             </a:extLst>
           </p:cNvPr>
@@ -2574,7 +2574,7 @@
           <p:cNvPr id="4" name="文本占位符 3">
             <a:extLst>
               <a:ext uri="{FF2B5EF4-FFF2-40B4-BE49-F238E27FC236}">
-                <a16:creationId xmlns:a16="http://schemas.microsoft.com/office/drawing/2014/main" id="{CCE1E821-72BF-D068-9DB4-1BCB67B41F89}"/>
+                <a16:creationId xmlns:a16="http://schemas.microsoft.com/office/drawing/2014/main" id="{678A023C-A139-0F4C-8B68-5FF0819AE94E}"/>
               </a:ext>
             </a:extLst>
           </p:cNvPr>
@@ -2645,7 +2645,7 @@
           <p:cNvPr id="5" name="日期占位符 4">
             <a:extLst>
               <a:ext uri="{FF2B5EF4-FFF2-40B4-BE49-F238E27FC236}">
-                <a16:creationId xmlns:a16="http://schemas.microsoft.com/office/drawing/2014/main" id="{125E8DC2-3C1A-71BC-711E-EBCA639E9074}"/>
+                <a16:creationId xmlns:a16="http://schemas.microsoft.com/office/drawing/2014/main" id="{6B2C14B6-41D6-C23A-B62D-474AC366274F}"/>
               </a:ext>
             </a:extLst>
           </p:cNvPr>
@@ -2661,7 +2661,7 @@
           <a:bodyPr/>
           <a:lstStyle/>
           <a:p>
-            <a:fld id="{E4CEFB58-427F-4F9D-BC1D-07725E6D2A02}" type="datetimeFigureOut">
+            <a:fld id="{8AB2DB2A-5583-4524-ACAA-78F7212F9415}" type="datetimeFigureOut">
               <a:rPr lang="zh-CN" altLang="en-US" smtClean="0"/>
               <a:t>2024/3/10</a:t>
             </a:fld>
@@ -2674,7 +2674,7 @@
           <p:cNvPr id="6" name="页脚占位符 5">
             <a:extLst>
               <a:ext uri="{FF2B5EF4-FFF2-40B4-BE49-F238E27FC236}">
-                <a16:creationId xmlns:a16="http://schemas.microsoft.com/office/drawing/2014/main" id="{6BD46794-F218-2547-6F60-8B3F69F36784}"/>
+                <a16:creationId xmlns:a16="http://schemas.microsoft.com/office/drawing/2014/main" id="{74CADC91-45EB-8ADE-862C-F42642C9E107}"/>
               </a:ext>
             </a:extLst>
           </p:cNvPr>
@@ -2699,7 +2699,7 @@
           <p:cNvPr id="7" name="灯片编号占位符 6">
             <a:extLst>
               <a:ext uri="{FF2B5EF4-FFF2-40B4-BE49-F238E27FC236}">
-                <a16:creationId xmlns:a16="http://schemas.microsoft.com/office/drawing/2014/main" id="{DC986698-2C89-9CF2-4D45-3111144BB375}"/>
+                <a16:creationId xmlns:a16="http://schemas.microsoft.com/office/drawing/2014/main" id="{BF781833-4A07-717D-28C1-1802EC0BEDAD}"/>
               </a:ext>
             </a:extLst>
           </p:cNvPr>
@@ -2715,7 +2715,7 @@
           <a:bodyPr/>
           <a:lstStyle/>
           <a:p>
-            <a:fld id="{573305D0-D626-472F-A218-A6158B742F2E}" type="slidenum">
+            <a:fld id="{E46C17A0-4C88-44E9-A84D-C924B523582F}" type="slidenum">
               <a:rPr lang="zh-CN" altLang="en-US" smtClean="0"/>
               <a:t>‹#›</a:t>
             </a:fld>
@@ -2726,7 +2726,7 @@
     </p:spTree>
     <p:extLst>
       <p:ext uri="{BB962C8B-B14F-4D97-AF65-F5344CB8AC3E}">
-        <p14:creationId xmlns:p14="http://schemas.microsoft.com/office/powerpoint/2010/main" val="2055194126"/>
+        <p14:creationId xmlns:p14="http://schemas.microsoft.com/office/powerpoint/2010/main" val="1575991962"/>
       </p:ext>
     </p:extLst>
   </p:cSld>
@@ -2763,7 +2763,7 @@
           <p:cNvPr id="2" name="标题占位符 1">
             <a:extLst>
               <a:ext uri="{FF2B5EF4-FFF2-40B4-BE49-F238E27FC236}">
-                <a16:creationId xmlns:a16="http://schemas.microsoft.com/office/drawing/2014/main" id="{C1A6CF44-6742-01F2-217E-E04054A89956}"/>
+                <a16:creationId xmlns:a16="http://schemas.microsoft.com/office/drawing/2014/main" id="{CA2CF8D9-F13C-1136-9457-DB4C06114DDC}"/>
               </a:ext>
             </a:extLst>
           </p:cNvPr>
@@ -2801,7 +2801,7 @@
           <p:cNvPr id="3" name="文本占位符 2">
             <a:extLst>
               <a:ext uri="{FF2B5EF4-FFF2-40B4-BE49-F238E27FC236}">
-                <a16:creationId xmlns:a16="http://schemas.microsoft.com/office/drawing/2014/main" id="{16BC2ABB-C5F1-D975-1BF7-F2F7E7B12329}"/>
+                <a16:creationId xmlns:a16="http://schemas.microsoft.com/office/drawing/2014/main" id="{19A7899D-F4A4-37A4-2238-730973063D76}"/>
               </a:ext>
             </a:extLst>
           </p:cNvPr>
@@ -2868,7 +2868,7 @@
           <p:cNvPr id="4" name="日期占位符 3">
             <a:extLst>
               <a:ext uri="{FF2B5EF4-FFF2-40B4-BE49-F238E27FC236}">
-                <a16:creationId xmlns:a16="http://schemas.microsoft.com/office/drawing/2014/main" id="{8B50C798-4F12-0E09-5808-7E7ED0D94A41}"/>
+                <a16:creationId xmlns:a16="http://schemas.microsoft.com/office/drawing/2014/main" id="{00C03122-183E-8432-19C1-7F2B2232E027}"/>
               </a:ext>
             </a:extLst>
           </p:cNvPr>
@@ -2902,7 +2902,7 @@
             </a:lvl1pPr>
           </a:lstStyle>
           <a:p>
-            <a:fld id="{E4CEFB58-427F-4F9D-BC1D-07725E6D2A02}" type="datetimeFigureOut">
+            <a:fld id="{8AB2DB2A-5583-4524-ACAA-78F7212F9415}" type="datetimeFigureOut">
               <a:rPr lang="zh-CN" altLang="en-US" smtClean="0"/>
               <a:t>2024/3/10</a:t>
             </a:fld>
@@ -2915,7 +2915,7 @@
           <p:cNvPr id="5" name="页脚占位符 4">
             <a:extLst>
               <a:ext uri="{FF2B5EF4-FFF2-40B4-BE49-F238E27FC236}">
-                <a16:creationId xmlns:a16="http://schemas.microsoft.com/office/drawing/2014/main" id="{B6E52556-CF5D-A6C4-6912-DFA4EE6D86C5}"/>
+                <a16:creationId xmlns:a16="http://schemas.microsoft.com/office/drawing/2014/main" id="{7CC108BE-C812-67BD-876E-5E94360BD36A}"/>
               </a:ext>
             </a:extLst>
           </p:cNvPr>
@@ -2958,7 +2958,7 @@
           <p:cNvPr id="6" name="灯片编号占位符 5">
             <a:extLst>
               <a:ext uri="{FF2B5EF4-FFF2-40B4-BE49-F238E27FC236}">
-                <a16:creationId xmlns:a16="http://schemas.microsoft.com/office/drawing/2014/main" id="{965919B4-CF29-56E0-92EE-CAA6DBC621A0}"/>
+                <a16:creationId xmlns:a16="http://schemas.microsoft.com/office/drawing/2014/main" id="{E0BA85E4-FB9B-7398-B3CA-EB98D00FD9AA}"/>
               </a:ext>
             </a:extLst>
           </p:cNvPr>
@@ -2992,7 +2992,7 @@
             </a:lvl1pPr>
           </a:lstStyle>
           <a:p>
-            <a:fld id="{573305D0-D626-472F-A218-A6158B742F2E}" type="slidenum">
+            <a:fld id="{E46C17A0-4C88-44E9-A84D-C924B523582F}" type="slidenum">
               <a:rPr lang="zh-CN" altLang="en-US" smtClean="0"/>
               <a:t>‹#›</a:t>
             </a:fld>
@@ -3003,7 +3003,7 @@
     </p:spTree>
     <p:extLst>
       <p:ext uri="{BB962C8B-B14F-4D97-AF65-F5344CB8AC3E}">
-        <p14:creationId xmlns:p14="http://schemas.microsoft.com/office/powerpoint/2010/main" val="3481200866"/>
+        <p14:creationId xmlns:p14="http://schemas.microsoft.com/office/powerpoint/2010/main" val="1897537265"/>
       </p:ext>
     </p:extLst>
   </p:cSld>
@@ -3323,7 +3323,7 @@
       </p:grpSpPr>
       <p:pic>
         <p:nvPicPr>
-          <p:cNvPr id="977922" name="Picture 2" descr="954"/>
+          <p:cNvPr id="978946" name="Picture 2" descr="955"/>
           <p:cNvPicPr>
             <a:picLocks noChangeAspect="1" noChangeArrowheads="1"/>
           </p:cNvPicPr>
@@ -3344,8 +3344,8 @@
         </p:blipFill>
         <p:spPr bwMode="auto">
           <a:xfrm>
-            <a:off x="1524000" y="0"/>
-            <a:ext cx="9144000" cy="6858000"/>
+            <a:off x="1614488" y="0"/>
+            <a:ext cx="9053512" cy="6789738"/>
           </a:xfrm>
           <a:prstGeom prst="rect">
             <a:avLst/>
